--- a/Evaluation/Results_Evaluation .pptx
+++ b/Evaluation/Results_Evaluation .pptx
@@ -7432,18 +7432,26 @@
                   <a:schemeClr val="dk2"/>
                 </a:solidFill>
               </a:rPr>
-              <a:t>TV Time (Flash Prediction): 67.67 mins</a:t>
+              <a:t>TV Time (Flash Prediction): 250 seconds</a:t>
             </a:r>
           </a:p>
           <a:p>
-            <a:pPr algn="ctr"/>
+            <a:pPr marL="0" lvl="0" indent="0" algn="ctr" rtl="0">
+              <a:spcBef>
+                <a:spcPts val="0"/>
+              </a:spcBef>
+              <a:spcAft>
+                <a:spcPts val="0"/>
+              </a:spcAft>
+              <a:buNone/>
+            </a:pPr>
             <a:r>
               <a:rPr lang="en-US" sz="1800" dirty="0">
                 <a:solidFill>
                   <a:schemeClr val="dk2"/>
                 </a:solidFill>
               </a:rPr>
-              <a:t>TV Time (Ground Truth): 65.33 mins</a:t>
+              <a:t>TV Time (Ground Truth): 650 seconds</a:t>
             </a:r>
             <a:endParaRPr sz="1800" dirty="0">
               <a:solidFill>
